--- a/Дипломная работа.pptx
+++ b/Дипломная работа.pptx
@@ -151,7 +151,7 @@
   <pc:docChgLst>
     <pc:chgData name="Сергей Борисенко" userId="033bd543b9839b3d" providerId="LiveId" clId="{99ED1206-6529-4988-A1DE-010162E6EBED}"/>
     <pc:docChg chg="undo custSel addSld delSld modSld">
-      <pc:chgData name="Сергей Борисенко" userId="033bd543b9839b3d" providerId="LiveId" clId="{99ED1206-6529-4988-A1DE-010162E6EBED}" dt="2024-04-06T20:41:01.789" v="433" actId="207"/>
+      <pc:chgData name="Сергей Борисенко" userId="033bd543b9839b3d" providerId="LiveId" clId="{99ED1206-6529-4988-A1DE-010162E6EBED}" dt="2024-04-15T16:33:32.961" v="451" actId="5793"/>
       <pc:docMkLst>
         <pc:docMk/>
       </pc:docMkLst>
@@ -184,6 +184,21 @@
             <ac:picMk id="5" creationId="{60E686CD-8C43-46EE-9E04-3B3DBD645CF3}"/>
           </ac:picMkLst>
         </pc:picChg>
+      </pc:sldChg>
+      <pc:sldChg chg="modSp mod">
+        <pc:chgData name="Сергей Борисенко" userId="033bd543b9839b3d" providerId="LiveId" clId="{99ED1206-6529-4988-A1DE-010162E6EBED}" dt="2024-04-15T16:33:32.961" v="451" actId="5793"/>
+        <pc:sldMkLst>
+          <pc:docMk/>
+          <pc:sldMk cId="3274186986" sldId="262"/>
+        </pc:sldMkLst>
+        <pc:spChg chg="mod">
+          <ac:chgData name="Сергей Борисенко" userId="033bd543b9839b3d" providerId="LiveId" clId="{99ED1206-6529-4988-A1DE-010162E6EBED}" dt="2024-04-15T16:33:32.961" v="451" actId="5793"/>
+          <ac:spMkLst>
+            <pc:docMk/>
+            <pc:sldMk cId="3274186986" sldId="262"/>
+            <ac:spMk id="3" creationId="{00000000-0000-0000-0000-000000000000}"/>
+          </ac:spMkLst>
+        </pc:spChg>
       </pc:sldChg>
       <pc:sldChg chg="modSp mod">
         <pc:chgData name="Сергей Борисенко" userId="033bd543b9839b3d" providerId="LiveId" clId="{99ED1206-6529-4988-A1DE-010162E6EBED}" dt="2024-04-06T20:00:22.537" v="303" actId="20577"/>
@@ -222,6 +237,21 @@
             <ac:spMk id="2" creationId="{00000000-0000-0000-0000-000000000000}"/>
           </ac:spMkLst>
         </pc:spChg>
+      </pc:sldChg>
+      <pc:sldChg chg="modSp mod">
+        <pc:chgData name="Сергей Борисенко" userId="033bd543b9839b3d" providerId="LiveId" clId="{99ED1206-6529-4988-A1DE-010162E6EBED}" dt="2024-04-15T16:30:36.312" v="450" actId="20577"/>
+        <pc:sldMkLst>
+          <pc:docMk/>
+          <pc:sldMk cId="4040305294" sldId="267"/>
+        </pc:sldMkLst>
+        <pc:graphicFrameChg chg="modGraphic">
+          <ac:chgData name="Сергей Борисенко" userId="033bd543b9839b3d" providerId="LiveId" clId="{99ED1206-6529-4988-A1DE-010162E6EBED}" dt="2024-04-15T16:30:36.312" v="450" actId="20577"/>
+          <ac:graphicFrameMkLst>
+            <pc:docMk/>
+            <pc:sldMk cId="4040305294" sldId="267"/>
+            <ac:graphicFrameMk id="5" creationId="{376AE2AE-58F5-4657-9DFC-3E9166065697}"/>
+          </ac:graphicFrameMkLst>
+        </pc:graphicFrameChg>
       </pc:sldChg>
       <pc:sldChg chg="addSp modSp mod">
         <pc:chgData name="Сергей Борисенко" userId="033bd543b9839b3d" providerId="LiveId" clId="{99ED1206-6529-4988-A1DE-010162E6EBED}" dt="2024-04-06T20:00:46.169" v="306" actId="113"/>
@@ -1456,7 +1486,7 @@
             <a:fld id="{B61BEF0D-F0BB-DE4B-95CE-6DB70DBA9567}" type="datetimeFigureOut">
               <a:rPr lang="en-US" dirty="0"/>
               <a:pPr/>
-              <a:t>4/6/2024</a:t>
+              <a:t>4/15/2024</a:t>
             </a:fld>
             <a:endParaRPr lang="en-US" dirty="0"/>
           </a:p>
@@ -1704,7 +1734,7 @@
             <a:fld id="{B61BEF0D-F0BB-DE4B-95CE-6DB70DBA9567}" type="datetimeFigureOut">
               <a:rPr lang="en-US" dirty="0"/>
               <a:pPr/>
-              <a:t>4/6/2024</a:t>
+              <a:t>4/15/2024</a:t>
             </a:fld>
             <a:endParaRPr lang="en-US" dirty="0"/>
           </a:p>
@@ -2015,7 +2045,7 @@
             <a:fld id="{B61BEF0D-F0BB-DE4B-95CE-6DB70DBA9567}" type="datetimeFigureOut">
               <a:rPr lang="en-US" dirty="0"/>
               <a:pPr/>
-              <a:t>4/6/2024</a:t>
+              <a:t>4/15/2024</a:t>
             </a:fld>
             <a:endParaRPr lang="en-US" dirty="0"/>
           </a:p>
@@ -2345,7 +2375,7 @@
             <a:fld id="{B61BEF0D-F0BB-DE4B-95CE-6DB70DBA9567}" type="datetimeFigureOut">
               <a:rPr lang="en-US" dirty="0"/>
               <a:pPr/>
-              <a:t>4/6/2024</a:t>
+              <a:t>4/15/2024</a:t>
             </a:fld>
             <a:endParaRPr lang="en-US" dirty="0"/>
           </a:p>
@@ -2656,7 +2686,7 @@
             <a:fld id="{B61BEF0D-F0BB-DE4B-95CE-6DB70DBA9567}" type="datetimeFigureOut">
               <a:rPr lang="en-US" dirty="0"/>
               <a:pPr/>
-              <a:t>4/6/2024</a:t>
+              <a:t>4/15/2024</a:t>
             </a:fld>
             <a:endParaRPr lang="en-US" dirty="0"/>
           </a:p>
@@ -3046,7 +3076,7 @@
             <a:fld id="{B61BEF0D-F0BB-DE4B-95CE-6DB70DBA9567}" type="datetimeFigureOut">
               <a:rPr lang="en-US" dirty="0"/>
               <a:pPr/>
-              <a:t>4/6/2024</a:t>
+              <a:t>4/15/2024</a:t>
             </a:fld>
             <a:endParaRPr lang="en-US" dirty="0"/>
           </a:p>
@@ -3212,7 +3242,7 @@
           <a:p>
             <a:fld id="{55C6B4A9-1611-4792-9094-5F34BCA07E0B}" type="datetimeFigureOut">
               <a:rPr lang="en-US" dirty="0"/>
-              <a:t>4/6/2024</a:t>
+              <a:t>4/15/2024</a:t>
             </a:fld>
             <a:endParaRPr lang="en-US" dirty="0"/>
           </a:p>
@@ -3388,7 +3418,7 @@
             <a:fld id="{B61BEF0D-F0BB-DE4B-95CE-6DB70DBA9567}" type="datetimeFigureOut">
               <a:rPr lang="en-US" dirty="0"/>
               <a:pPr/>
-              <a:t>4/6/2024</a:t>
+              <a:t>4/15/2024</a:t>
             </a:fld>
             <a:endParaRPr lang="en-US" dirty="0"/>
           </a:p>
@@ -3554,7 +3584,7 @@
           <a:p>
             <a:fld id="{42A54C80-263E-416B-A8E0-580EDEADCBDC}" type="datetimeFigureOut">
               <a:rPr lang="en-US" dirty="0"/>
-              <a:t>4/6/2024</a:t>
+              <a:t>4/15/2024</a:t>
             </a:fld>
             <a:endParaRPr lang="en-US" dirty="0"/>
           </a:p>
@@ -3797,7 +3827,7 @@
             <a:fld id="{B61BEF0D-F0BB-DE4B-95CE-6DB70DBA9567}" type="datetimeFigureOut">
               <a:rPr lang="en-US" dirty="0"/>
               <a:pPr/>
-              <a:t>4/6/2024</a:t>
+              <a:t>4/15/2024</a:t>
             </a:fld>
             <a:endParaRPr lang="en-US" dirty="0"/>
           </a:p>
@@ -4025,7 +4055,7 @@
           <a:p>
             <a:fld id="{42A54C80-263E-416B-A8E0-580EDEADCBDC}" type="datetimeFigureOut">
               <a:rPr lang="en-US" dirty="0"/>
-              <a:t>4/6/2024</a:t>
+              <a:t>4/15/2024</a:t>
             </a:fld>
             <a:endParaRPr lang="en-US" dirty="0"/>
           </a:p>
@@ -4395,7 +4425,7 @@
             <a:fld id="{B61BEF0D-F0BB-DE4B-95CE-6DB70DBA9567}" type="datetimeFigureOut">
               <a:rPr lang="en-US" dirty="0"/>
               <a:pPr/>
-              <a:t>4/6/2024</a:t>
+              <a:t>4/15/2024</a:t>
             </a:fld>
             <a:endParaRPr lang="en-US" dirty="0"/>
           </a:p>
@@ -4515,7 +4545,7 @@
             <a:fld id="{B61BEF0D-F0BB-DE4B-95CE-6DB70DBA9567}" type="datetimeFigureOut">
               <a:rPr lang="en-US" dirty="0"/>
               <a:pPr/>
-              <a:t>4/6/2024</a:t>
+              <a:t>4/15/2024</a:t>
             </a:fld>
             <a:endParaRPr lang="en-US" dirty="0"/>
           </a:p>
@@ -4607,7 +4637,7 @@
             <a:fld id="{B61BEF0D-F0BB-DE4B-95CE-6DB70DBA9567}" type="datetimeFigureOut">
               <a:rPr lang="en-US" dirty="0"/>
               <a:pPr/>
-              <a:t>4/6/2024</a:t>
+              <a:t>4/15/2024</a:t>
             </a:fld>
             <a:endParaRPr lang="en-US" dirty="0"/>
           </a:p>
@@ -4858,7 +4888,7 @@
           <a:p>
             <a:fld id="{42A54C80-263E-416B-A8E0-580EDEADCBDC}" type="datetimeFigureOut">
               <a:rPr lang="en-US" dirty="0"/>
-              <a:t>4/6/2024</a:t>
+              <a:t>4/15/2024</a:t>
             </a:fld>
             <a:endParaRPr lang="en-US" dirty="0"/>
           </a:p>
@@ -5160,7 +5190,7 @@
             <a:fld id="{B61BEF0D-F0BB-DE4B-95CE-6DB70DBA9567}" type="datetimeFigureOut">
               <a:rPr lang="en-US" dirty="0"/>
               <a:pPr/>
-              <a:t>4/6/2024</a:t>
+              <a:t>4/15/2024</a:t>
             </a:fld>
             <a:endParaRPr lang="en-US" dirty="0"/>
           </a:p>
@@ -5858,7 +5888,7 @@
             <a:fld id="{B61BEF0D-F0BB-DE4B-95CE-6DB70DBA9567}" type="datetimeFigureOut">
               <a:rPr lang="en-US" dirty="0"/>
               <a:pPr/>
-              <a:t>4/6/2024</a:t>
+              <a:t>4/15/2024</a:t>
             </a:fld>
             <a:endParaRPr lang="en-US" dirty="0"/>
           </a:p>
@@ -9759,7 +9789,7 @@
           <p:nvPr>
             <p:extLst>
               <p:ext uri="{D42A27DB-BD31-4B8C-83A1-F6EECF244321}">
-                <p14:modId xmlns:p14="http://schemas.microsoft.com/office/powerpoint/2010/main" val="3731706329"/>
+                <p14:modId xmlns:p14="http://schemas.microsoft.com/office/powerpoint/2010/main" val="1893256623"/>
               </p:ext>
             </p:extLst>
           </p:nvPr>
@@ -10108,28 +10138,7 @@
                           <a:latin typeface="Times New Roman" panose="02020603050405020304" pitchFamily="18" charset="0"/>
                           <a:cs typeface="Times New Roman" panose="02020603050405020304" pitchFamily="18" charset="0"/>
                         </a:rPr>
-                        <a:t>• Ожидаемые результаты возникают при использовании достоверных</a:t>
-                      </a:r>
-                    </a:p>
-                    <a:p>
-                      <a:pPr algn="just">
-                        <a:lnSpc>
-                          <a:spcPct val="100000"/>
-                        </a:lnSpc>
-                        <a:spcAft>
-                          <a:spcPts val="800"/>
-                        </a:spcAft>
-                      </a:pPr>
-                      <a:r>
-                        <a:rPr lang="ru-RU" sz="1200" dirty="0">
-                          <a:solidFill>
-                            <a:schemeClr val="tx1"/>
-                          </a:solidFill>
-                          <a:effectLst/>
-                          <a:latin typeface="Times New Roman" panose="02020603050405020304" pitchFamily="18" charset="0"/>
-                          <a:cs typeface="Times New Roman" panose="02020603050405020304" pitchFamily="18" charset="0"/>
-                        </a:rPr>
-                        <a:t>данных.</a:t>
+                        <a:t>• Ожидаемые результаты возникают при использовании достоверных данных.</a:t>
                       </a:r>
                     </a:p>
                     <a:p>
@@ -10337,7 +10346,7 @@
                           <a:latin typeface="Times New Roman" panose="02020603050405020304" pitchFamily="18" charset="0"/>
                           <a:cs typeface="Times New Roman" panose="02020603050405020304" pitchFamily="18" charset="0"/>
                         </a:rPr>
-                        <a:t>Подготовлено тестовое окружение, тестируемая задача установлена на стенд</a:t>
+                        <a:t>Подготовлено тестовое окружение, тестовые данные</a:t>
                       </a:r>
                       <a:endParaRPr lang="ru-RU" sz="1200" dirty="0">
                         <a:solidFill>
@@ -11435,7 +11444,9 @@
             </a:endParaRPr>
           </a:p>
           <a:p>
-            <a:pPr indent="450215" algn="just"/>
+            <a:pPr indent="0" algn="just">
+              <a:buNone/>
+            </a:pPr>
             <a:r>
               <a:rPr lang="ru-RU" sz="1800" kern="150" dirty="0">
                 <a:effectLst/>
